--- a/soutenance navi.pptx
+++ b/soutenance navi.pptx
@@ -123,6 +123,11 @@
       </a:defRPr>
     </a:lvl9pPr>
   </p:defaultTextStyle>
+  <p:extLst>
+    <p:ext uri="{EFAFB233-063F-42B5-8137-9DF3F51BA10A}">
+      <p15:sldGuideLst xmlns:p15="http://schemas.microsoft.com/office/powerpoint/2012/main"/>
+    </p:ext>
+  </p:extLst>
 </p:presentation>
 </file>
 
@@ -6512,6 +6517,12 @@
           <a:p>
             <a:r>
               <a:rPr lang="fr-FR" altLang="zh-CN" sz="2800" dirty="0"/>
+              <a:t>Obtenir les données des trajets des dossiers XML</a:t>
+            </a:r>
+          </a:p>
+          <a:p>
+            <a:r>
+              <a:rPr lang="fr-FR" altLang="zh-CN" sz="2800" dirty="0"/>
               <a:t>Contenus :</a:t>
             </a:r>
           </a:p>
@@ -6680,8 +6691,8 @@
           <a:lstStyle/>
           <a:p>
             <a:r>
-              <a:rPr lang="en-US" altLang="zh-CN" dirty="0" err="1"/>
-              <a:t>sIMULATION</a:t>
+              <a:rPr lang="en-US" altLang="zh-CN" dirty="0"/>
+              <a:t>simulation</a:t>
             </a:r>
             <a:endParaRPr lang="zh-CN" altLang="en-US" dirty="0"/>
           </a:p>
@@ -7199,9 +7210,12 @@
               <a:buAutoNum type="romanUcPeriod"/>
             </a:pPr>
             <a:r>
-              <a:rPr lang="fr-FR" altLang="zh-CN" sz="2400" dirty="0"/>
+              <a:rPr lang="fr-FR" altLang="zh-CN" sz="2400" dirty="0">
+                <a:hlinkClick r:id="rId2" action="ppaction://hlinksldjump"/>
+              </a:rPr>
               <a:t>Conception initiale</a:t>
             </a:r>
+            <a:endParaRPr lang="fr-FR" altLang="zh-CN" sz="2400" dirty="0"/>
           </a:p>
           <a:p>
             <a:pPr marL="571500" indent="-571500">
@@ -7209,9 +7223,12 @@
               <a:buAutoNum type="romanUcPeriod"/>
             </a:pPr>
             <a:r>
-              <a:rPr lang="fr-FR" altLang="zh-CN" sz="2400" dirty="0"/>
+              <a:rPr lang="fr-FR" altLang="zh-CN" sz="2400" dirty="0">
+                <a:hlinkClick r:id="rId3" action="ppaction://hlinksldjump"/>
+              </a:rPr>
               <a:t>Outils </a:t>
             </a:r>
+            <a:endParaRPr lang="fr-FR" altLang="zh-CN" sz="2400" dirty="0"/>
           </a:p>
           <a:p>
             <a:pPr marL="571500" indent="-571500">
@@ -7219,9 +7236,12 @@
               <a:buAutoNum type="romanUcPeriod"/>
             </a:pPr>
             <a:r>
-              <a:rPr lang="fr-FR" altLang="zh-CN" sz="2400" dirty="0"/>
+              <a:rPr lang="fr-FR" altLang="zh-CN" sz="2400" dirty="0">
+                <a:hlinkClick r:id="rId4" action="ppaction://hlinksldjump"/>
+              </a:rPr>
               <a:t>Stratégies</a:t>
             </a:r>
+            <a:endParaRPr lang="fr-FR" altLang="zh-CN" sz="2400" dirty="0"/>
           </a:p>
           <a:p>
             <a:pPr marL="914400" lvl="1" indent="-457200">
@@ -7229,9 +7249,12 @@
               <a:buAutoNum type="arabicPeriod"/>
             </a:pPr>
             <a:r>
-              <a:rPr lang="fr-FR" altLang="zh-CN" sz="2400" dirty="0"/>
+              <a:rPr lang="fr-FR" altLang="zh-CN" sz="2400" dirty="0">
+                <a:hlinkClick r:id="rId4" action="ppaction://hlinksldjump"/>
+              </a:rPr>
               <a:t>Cherches des trajets sous des conditions</a:t>
             </a:r>
+            <a:endParaRPr lang="fr-FR" altLang="zh-CN" sz="2400" dirty="0"/>
           </a:p>
           <a:p>
             <a:pPr marL="914400" lvl="1" indent="-457200">
@@ -7239,9 +7262,12 @@
               <a:buAutoNum type="arabicPeriod"/>
             </a:pPr>
             <a:r>
-              <a:rPr lang="fr-FR" altLang="zh-CN" sz="2400" dirty="0"/>
+              <a:rPr lang="fr-FR" altLang="zh-CN" sz="2400" dirty="0">
+                <a:hlinkClick r:id="rId5" action="ppaction://hlinksldjump"/>
+              </a:rPr>
               <a:t>Inscription et connexion des utilisateurs</a:t>
             </a:r>
+            <a:endParaRPr lang="fr-FR" altLang="zh-CN" sz="2400" dirty="0"/>
           </a:p>
           <a:p>
             <a:pPr marL="914400" lvl="1" indent="-457200">
@@ -7249,9 +7275,12 @@
               <a:buAutoNum type="arabicPeriod"/>
             </a:pPr>
             <a:r>
-              <a:rPr lang="fr-FR" altLang="zh-CN" sz="2400" dirty="0"/>
+              <a:rPr lang="fr-FR" altLang="zh-CN" sz="2400" dirty="0">
+                <a:hlinkClick r:id="rId6" action="ppaction://hlinksldjump"/>
+              </a:rPr>
               <a:t>Gestion des listes favori d’utilisateur</a:t>
             </a:r>
+            <a:endParaRPr lang="fr-FR" altLang="zh-CN" sz="2400" dirty="0"/>
           </a:p>
           <a:p>
             <a:pPr marL="914400" lvl="1" indent="-457200">
@@ -7259,9 +7288,12 @@
               <a:buAutoNum type="arabicPeriod"/>
             </a:pPr>
             <a:r>
-              <a:rPr lang="fr-FR" altLang="zh-CN" sz="2400" dirty="0"/>
+              <a:rPr lang="fr-FR" altLang="zh-CN" sz="2400" dirty="0">
+                <a:hlinkClick r:id="rId7" action="ppaction://hlinksldjump"/>
+              </a:rPr>
               <a:t>L’affichage de trajet</a:t>
             </a:r>
+            <a:endParaRPr lang="fr-FR" altLang="zh-CN" sz="2400" dirty="0"/>
           </a:p>
           <a:p>
             <a:pPr marL="571500" indent="-571500">
@@ -7269,9 +7301,12 @@
               <a:buAutoNum type="romanUcPeriod"/>
             </a:pPr>
             <a:r>
-              <a:rPr lang="fr-FR" altLang="zh-CN" sz="2400" dirty="0"/>
+              <a:rPr lang="fr-FR" altLang="zh-CN" sz="2400" dirty="0">
+                <a:hlinkClick r:id="rId8" action="ppaction://hlinksldjump"/>
+              </a:rPr>
               <a:t>Simulation</a:t>
             </a:r>
+            <a:endParaRPr lang="fr-FR" altLang="zh-CN" sz="2400" dirty="0"/>
           </a:p>
           <a:p>
             <a:pPr marL="571500" indent="-571500">
@@ -7279,9 +7314,12 @@
               <a:buAutoNum type="romanUcPeriod"/>
             </a:pPr>
             <a:r>
-              <a:rPr lang="fr-FR" altLang="zh-CN" sz="2400" dirty="0"/>
+              <a:rPr lang="fr-FR" altLang="zh-CN" sz="2400" dirty="0">
+                <a:hlinkClick r:id="rId9" action="ppaction://hlinksldjump"/>
+              </a:rPr>
               <a:t>Conclusion</a:t>
             </a:r>
+            <a:endParaRPr lang="fr-FR" altLang="zh-CN" sz="2400" dirty="0"/>
           </a:p>
           <a:p>
             <a:pPr marL="571500" indent="-571500">
@@ -7289,8 +7327,14 @@
               <a:buAutoNum type="romanUcPeriod"/>
             </a:pPr>
             <a:r>
+              <a:rPr lang="fr-FR" altLang="zh-CN" sz="2400" dirty="0">
+                <a:hlinkClick r:id="rId10" action="ppaction://hlinksldjump"/>
+              </a:rPr>
+              <a:t>Question ?</a:t>
+            </a:r>
+            <a:r>
               <a:rPr lang="fr-FR" altLang="zh-CN" sz="2400" dirty="0"/>
-              <a:t>Question ? </a:t>
+              <a:t> </a:t>
             </a:r>
           </a:p>
         </p:txBody>
@@ -7416,6 +7460,20 @@
             <a:r>
               <a:rPr lang="fr-FR" altLang="zh-CN" sz="2800" dirty="0"/>
               <a:t>Forme : Page web</a:t>
+            </a:r>
+          </a:p>
+          <a:p>
+            <a:r>
+              <a:rPr lang="fr-FR" altLang="zh-CN" sz="2800" dirty="0"/>
+              <a:t>M</a:t>
+            </a:r>
+            <a:r>
+              <a:rPr lang="en-US" altLang="zh-CN" sz="2800" dirty="0"/>
+              <a:t>ode : </a:t>
+            </a:r>
+            <a:r>
+              <a:rPr lang="fr-FR" altLang="zh-CN" sz="2800" dirty="0"/>
+              <a:t>Modèle-Vue-Contrôle</a:t>
             </a:r>
           </a:p>
           <a:p>
